--- a/ppt 16-9/0459.再燃宣教的火.pptx
+++ b/ppt 16-9/0459.再燃宣教的火.pptx
@@ -129,7 +129,7 @@
           <p:cNvPr id="2" name="标题 1">
             <a:extLst>
               <a:ext uri="{FF2B5EF4-FFF2-40B4-BE49-F238E27FC236}">
-                <a16:creationId xmlns:a16="http://schemas.microsoft.com/office/drawing/2014/main" id="{3730477D-117D-2FF2-A6C7-0CCB8E497C5B}"/>
+                <a16:creationId xmlns:a16="http://schemas.microsoft.com/office/drawing/2014/main" id="{BEFAAD73-B427-8EED-A8D0-A97BD4147BCC}"/>
               </a:ext>
             </a:extLst>
           </p:cNvPr>
@@ -166,7 +166,7 @@
           <p:cNvPr id="3" name="副标题 2">
             <a:extLst>
               <a:ext uri="{FF2B5EF4-FFF2-40B4-BE49-F238E27FC236}">
-                <a16:creationId xmlns:a16="http://schemas.microsoft.com/office/drawing/2014/main" id="{E47F5929-3E37-9A86-3B63-66C383193716}"/>
+                <a16:creationId xmlns:a16="http://schemas.microsoft.com/office/drawing/2014/main" id="{C70974A1-2773-A8F5-EAB7-5D15ED08D36C}"/>
               </a:ext>
             </a:extLst>
           </p:cNvPr>
@@ -236,7 +236,7 @@
           <p:cNvPr id="4" name="日期占位符 3">
             <a:extLst>
               <a:ext uri="{FF2B5EF4-FFF2-40B4-BE49-F238E27FC236}">
-                <a16:creationId xmlns:a16="http://schemas.microsoft.com/office/drawing/2014/main" id="{D52848F4-72DF-15B0-6490-15C74B758BEE}"/>
+                <a16:creationId xmlns:a16="http://schemas.microsoft.com/office/drawing/2014/main" id="{22D53474-A0CA-FC55-8DC4-EB90ED0F41C9}"/>
               </a:ext>
             </a:extLst>
           </p:cNvPr>
@@ -252,7 +252,7 @@
           <a:bodyPr/>
           <a:lstStyle/>
           <a:p>
-            <a:fld id="{12332C8D-9288-4C81-BB4E-1CD8E578AACA}" type="datetimeFigureOut">
+            <a:fld id="{464A85EE-92F5-4D05-96AD-224B9583C237}" type="datetimeFigureOut">
               <a:rPr lang="zh-CN" altLang="en-US" smtClean="0"/>
               <a:t>2024/3/10</a:t>
             </a:fld>
@@ -265,7 +265,7 @@
           <p:cNvPr id="5" name="页脚占位符 4">
             <a:extLst>
               <a:ext uri="{FF2B5EF4-FFF2-40B4-BE49-F238E27FC236}">
-                <a16:creationId xmlns:a16="http://schemas.microsoft.com/office/drawing/2014/main" id="{758AB1FC-A18C-6ADD-9694-8AEFC14217F2}"/>
+                <a16:creationId xmlns:a16="http://schemas.microsoft.com/office/drawing/2014/main" id="{BA1883E9-B06A-0334-E188-2ED593250F61}"/>
               </a:ext>
             </a:extLst>
           </p:cNvPr>
@@ -290,7 +290,7 @@
           <p:cNvPr id="6" name="灯片编号占位符 5">
             <a:extLst>
               <a:ext uri="{FF2B5EF4-FFF2-40B4-BE49-F238E27FC236}">
-                <a16:creationId xmlns:a16="http://schemas.microsoft.com/office/drawing/2014/main" id="{C160FE1C-D4AE-B4A6-C217-BBA18022FD75}"/>
+                <a16:creationId xmlns:a16="http://schemas.microsoft.com/office/drawing/2014/main" id="{1A8119C2-F262-AF74-4E68-CC78DB53C08D}"/>
               </a:ext>
             </a:extLst>
           </p:cNvPr>
@@ -306,7 +306,7 @@
           <a:bodyPr/>
           <a:lstStyle/>
           <a:p>
-            <a:fld id="{5A4C445F-7EB9-4C51-A264-E6181DECEAAE}" type="slidenum">
+            <a:fld id="{2FAA4E35-7775-4308-ABBF-79DEA3A6EE1C}" type="slidenum">
               <a:rPr lang="zh-CN" altLang="en-US" smtClean="0"/>
               <a:t>‹#›</a:t>
             </a:fld>
@@ -317,7 +317,7 @@
     </p:spTree>
     <p:extLst>
       <p:ext uri="{BB962C8B-B14F-4D97-AF65-F5344CB8AC3E}">
-        <p14:creationId xmlns:p14="http://schemas.microsoft.com/office/powerpoint/2010/main" val="170501196"/>
+        <p14:creationId xmlns:p14="http://schemas.microsoft.com/office/powerpoint/2010/main" val="1288356337"/>
       </p:ext>
     </p:extLst>
   </p:cSld>
@@ -349,7 +349,7 @@
           <p:cNvPr id="2" name="标题 1">
             <a:extLst>
               <a:ext uri="{FF2B5EF4-FFF2-40B4-BE49-F238E27FC236}">
-                <a16:creationId xmlns:a16="http://schemas.microsoft.com/office/drawing/2014/main" id="{A52D731A-3353-29A3-5091-1616A4ED3FAC}"/>
+                <a16:creationId xmlns:a16="http://schemas.microsoft.com/office/drawing/2014/main" id="{84FF8345-ECF6-2E2B-2013-ED36AAD53968}"/>
               </a:ext>
             </a:extLst>
           </p:cNvPr>
@@ -377,7 +377,7 @@
           <p:cNvPr id="3" name="竖排文字占位符 2">
             <a:extLst>
               <a:ext uri="{FF2B5EF4-FFF2-40B4-BE49-F238E27FC236}">
-                <a16:creationId xmlns:a16="http://schemas.microsoft.com/office/drawing/2014/main" id="{3FA81928-CC0A-C9A0-BC1E-B2F636EDD1F5}"/>
+                <a16:creationId xmlns:a16="http://schemas.microsoft.com/office/drawing/2014/main" id="{D06D83BB-0401-0A92-50E9-05A509F78F79}"/>
               </a:ext>
             </a:extLst>
           </p:cNvPr>
@@ -434,7 +434,7 @@
           <p:cNvPr id="4" name="日期占位符 3">
             <a:extLst>
               <a:ext uri="{FF2B5EF4-FFF2-40B4-BE49-F238E27FC236}">
-                <a16:creationId xmlns:a16="http://schemas.microsoft.com/office/drawing/2014/main" id="{19AF0886-D24D-F204-1F96-D3DEAA35E440}"/>
+                <a16:creationId xmlns:a16="http://schemas.microsoft.com/office/drawing/2014/main" id="{B9A78940-8EBC-55F4-B49B-1AF1CFF8FDAB}"/>
               </a:ext>
             </a:extLst>
           </p:cNvPr>
@@ -450,7 +450,7 @@
           <a:bodyPr/>
           <a:lstStyle/>
           <a:p>
-            <a:fld id="{12332C8D-9288-4C81-BB4E-1CD8E578AACA}" type="datetimeFigureOut">
+            <a:fld id="{464A85EE-92F5-4D05-96AD-224B9583C237}" type="datetimeFigureOut">
               <a:rPr lang="zh-CN" altLang="en-US" smtClean="0"/>
               <a:t>2024/3/10</a:t>
             </a:fld>
@@ -463,7 +463,7 @@
           <p:cNvPr id="5" name="页脚占位符 4">
             <a:extLst>
               <a:ext uri="{FF2B5EF4-FFF2-40B4-BE49-F238E27FC236}">
-                <a16:creationId xmlns:a16="http://schemas.microsoft.com/office/drawing/2014/main" id="{B712DAB5-F79E-17A7-F920-C3D51346F00D}"/>
+                <a16:creationId xmlns:a16="http://schemas.microsoft.com/office/drawing/2014/main" id="{6ABE38BC-8DF6-E42A-5635-EC456151A3BE}"/>
               </a:ext>
             </a:extLst>
           </p:cNvPr>
@@ -488,7 +488,7 @@
           <p:cNvPr id="6" name="灯片编号占位符 5">
             <a:extLst>
               <a:ext uri="{FF2B5EF4-FFF2-40B4-BE49-F238E27FC236}">
-                <a16:creationId xmlns:a16="http://schemas.microsoft.com/office/drawing/2014/main" id="{686376B3-E6A3-6409-5D4B-65285B33484C}"/>
+                <a16:creationId xmlns:a16="http://schemas.microsoft.com/office/drawing/2014/main" id="{8C3CF8C5-E01A-F00F-73F2-3E072CCC9F23}"/>
               </a:ext>
             </a:extLst>
           </p:cNvPr>
@@ -504,7 +504,7 @@
           <a:bodyPr/>
           <a:lstStyle/>
           <a:p>
-            <a:fld id="{5A4C445F-7EB9-4C51-A264-E6181DECEAAE}" type="slidenum">
+            <a:fld id="{2FAA4E35-7775-4308-ABBF-79DEA3A6EE1C}" type="slidenum">
               <a:rPr lang="zh-CN" altLang="en-US" smtClean="0"/>
               <a:t>‹#›</a:t>
             </a:fld>
@@ -515,7 +515,7 @@
     </p:spTree>
     <p:extLst>
       <p:ext uri="{BB962C8B-B14F-4D97-AF65-F5344CB8AC3E}">
-        <p14:creationId xmlns:p14="http://schemas.microsoft.com/office/powerpoint/2010/main" val="683271029"/>
+        <p14:creationId xmlns:p14="http://schemas.microsoft.com/office/powerpoint/2010/main" val="3910474684"/>
       </p:ext>
     </p:extLst>
   </p:cSld>
@@ -547,7 +547,7 @@
           <p:cNvPr id="2" name="竖排标题 1">
             <a:extLst>
               <a:ext uri="{FF2B5EF4-FFF2-40B4-BE49-F238E27FC236}">
-                <a16:creationId xmlns:a16="http://schemas.microsoft.com/office/drawing/2014/main" id="{8D91406B-63EF-0875-1AE9-41DDD8ACFA89}"/>
+                <a16:creationId xmlns:a16="http://schemas.microsoft.com/office/drawing/2014/main" id="{1E6EA8A5-9621-FAFC-E805-C3D8EC23BF65}"/>
               </a:ext>
             </a:extLst>
           </p:cNvPr>
@@ -580,7 +580,7 @@
           <p:cNvPr id="3" name="竖排文字占位符 2">
             <a:extLst>
               <a:ext uri="{FF2B5EF4-FFF2-40B4-BE49-F238E27FC236}">
-                <a16:creationId xmlns:a16="http://schemas.microsoft.com/office/drawing/2014/main" id="{73FE1655-2D1D-F372-5910-1E69FA5E7714}"/>
+                <a16:creationId xmlns:a16="http://schemas.microsoft.com/office/drawing/2014/main" id="{F17DF512-0C2A-D19F-E5D6-5D299956A479}"/>
               </a:ext>
             </a:extLst>
           </p:cNvPr>
@@ -642,7 +642,7 @@
           <p:cNvPr id="4" name="日期占位符 3">
             <a:extLst>
               <a:ext uri="{FF2B5EF4-FFF2-40B4-BE49-F238E27FC236}">
-                <a16:creationId xmlns:a16="http://schemas.microsoft.com/office/drawing/2014/main" id="{7E899D67-ECAF-B480-D1A1-634D78AE7991}"/>
+                <a16:creationId xmlns:a16="http://schemas.microsoft.com/office/drawing/2014/main" id="{7AC51BD1-AC4F-7546-80A4-4F9421F63E3A}"/>
               </a:ext>
             </a:extLst>
           </p:cNvPr>
@@ -658,7 +658,7 @@
           <a:bodyPr/>
           <a:lstStyle/>
           <a:p>
-            <a:fld id="{12332C8D-9288-4C81-BB4E-1CD8E578AACA}" type="datetimeFigureOut">
+            <a:fld id="{464A85EE-92F5-4D05-96AD-224B9583C237}" type="datetimeFigureOut">
               <a:rPr lang="zh-CN" altLang="en-US" smtClean="0"/>
               <a:t>2024/3/10</a:t>
             </a:fld>
@@ -671,7 +671,7 @@
           <p:cNvPr id="5" name="页脚占位符 4">
             <a:extLst>
               <a:ext uri="{FF2B5EF4-FFF2-40B4-BE49-F238E27FC236}">
-                <a16:creationId xmlns:a16="http://schemas.microsoft.com/office/drawing/2014/main" id="{1811E039-62A8-849C-BF9F-FAF9ABF02A73}"/>
+                <a16:creationId xmlns:a16="http://schemas.microsoft.com/office/drawing/2014/main" id="{13A230F9-27BE-BF8E-EC8B-F04B3A17A5D3}"/>
               </a:ext>
             </a:extLst>
           </p:cNvPr>
@@ -696,7 +696,7 @@
           <p:cNvPr id="6" name="灯片编号占位符 5">
             <a:extLst>
               <a:ext uri="{FF2B5EF4-FFF2-40B4-BE49-F238E27FC236}">
-                <a16:creationId xmlns:a16="http://schemas.microsoft.com/office/drawing/2014/main" id="{34989FE9-1F54-FC5D-1E5A-04E4AE19CFF2}"/>
+                <a16:creationId xmlns:a16="http://schemas.microsoft.com/office/drawing/2014/main" id="{87A1AF08-A731-6178-2757-60D4DB742C34}"/>
               </a:ext>
             </a:extLst>
           </p:cNvPr>
@@ -712,7 +712,7 @@
           <a:bodyPr/>
           <a:lstStyle/>
           <a:p>
-            <a:fld id="{5A4C445F-7EB9-4C51-A264-E6181DECEAAE}" type="slidenum">
+            <a:fld id="{2FAA4E35-7775-4308-ABBF-79DEA3A6EE1C}" type="slidenum">
               <a:rPr lang="zh-CN" altLang="en-US" smtClean="0"/>
               <a:t>‹#›</a:t>
             </a:fld>
@@ -723,7 +723,7 @@
     </p:spTree>
     <p:extLst>
       <p:ext uri="{BB962C8B-B14F-4D97-AF65-F5344CB8AC3E}">
-        <p14:creationId xmlns:p14="http://schemas.microsoft.com/office/powerpoint/2010/main" val="234208767"/>
+        <p14:creationId xmlns:p14="http://schemas.microsoft.com/office/powerpoint/2010/main" val="3933102571"/>
       </p:ext>
     </p:extLst>
   </p:cSld>
@@ -755,7 +755,7 @@
           <p:cNvPr id="2" name="标题 1">
             <a:extLst>
               <a:ext uri="{FF2B5EF4-FFF2-40B4-BE49-F238E27FC236}">
-                <a16:creationId xmlns:a16="http://schemas.microsoft.com/office/drawing/2014/main" id="{94C9FF05-36C1-8188-C770-330D6AC68C61}"/>
+                <a16:creationId xmlns:a16="http://schemas.microsoft.com/office/drawing/2014/main" id="{7AADEF53-A691-F632-557F-A98CDD6DEC56}"/>
               </a:ext>
             </a:extLst>
           </p:cNvPr>
@@ -783,7 +783,7 @@
           <p:cNvPr id="3" name="内容占位符 2">
             <a:extLst>
               <a:ext uri="{FF2B5EF4-FFF2-40B4-BE49-F238E27FC236}">
-                <a16:creationId xmlns:a16="http://schemas.microsoft.com/office/drawing/2014/main" id="{00456999-591C-B1EC-AED3-E8B5B2815D7D}"/>
+                <a16:creationId xmlns:a16="http://schemas.microsoft.com/office/drawing/2014/main" id="{0075955D-E6CB-45ED-3023-61BAFF7BCCA0}"/>
               </a:ext>
             </a:extLst>
           </p:cNvPr>
@@ -840,7 +840,7 @@
           <p:cNvPr id="4" name="日期占位符 3">
             <a:extLst>
               <a:ext uri="{FF2B5EF4-FFF2-40B4-BE49-F238E27FC236}">
-                <a16:creationId xmlns:a16="http://schemas.microsoft.com/office/drawing/2014/main" id="{99B0DB42-7A2D-2935-819A-20CE677FB40D}"/>
+                <a16:creationId xmlns:a16="http://schemas.microsoft.com/office/drawing/2014/main" id="{D9659071-EBDA-B17C-AA31-B53E7D815F36}"/>
               </a:ext>
             </a:extLst>
           </p:cNvPr>
@@ -856,7 +856,7 @@
           <a:bodyPr/>
           <a:lstStyle/>
           <a:p>
-            <a:fld id="{12332C8D-9288-4C81-BB4E-1CD8E578AACA}" type="datetimeFigureOut">
+            <a:fld id="{464A85EE-92F5-4D05-96AD-224B9583C237}" type="datetimeFigureOut">
               <a:rPr lang="zh-CN" altLang="en-US" smtClean="0"/>
               <a:t>2024/3/10</a:t>
             </a:fld>
@@ -869,7 +869,7 @@
           <p:cNvPr id="5" name="页脚占位符 4">
             <a:extLst>
               <a:ext uri="{FF2B5EF4-FFF2-40B4-BE49-F238E27FC236}">
-                <a16:creationId xmlns:a16="http://schemas.microsoft.com/office/drawing/2014/main" id="{3465C309-A0B1-3335-B916-EDC490C36A47}"/>
+                <a16:creationId xmlns:a16="http://schemas.microsoft.com/office/drawing/2014/main" id="{3FB3B5B9-1236-020F-ACC6-0250D7A35137}"/>
               </a:ext>
             </a:extLst>
           </p:cNvPr>
@@ -894,7 +894,7 @@
           <p:cNvPr id="6" name="灯片编号占位符 5">
             <a:extLst>
               <a:ext uri="{FF2B5EF4-FFF2-40B4-BE49-F238E27FC236}">
-                <a16:creationId xmlns:a16="http://schemas.microsoft.com/office/drawing/2014/main" id="{F4F6A854-33F3-98B5-02E0-66AB88F2C453}"/>
+                <a16:creationId xmlns:a16="http://schemas.microsoft.com/office/drawing/2014/main" id="{F7D8A8B3-50C4-3793-A768-482030139CD6}"/>
               </a:ext>
             </a:extLst>
           </p:cNvPr>
@@ -910,7 +910,7 @@
           <a:bodyPr/>
           <a:lstStyle/>
           <a:p>
-            <a:fld id="{5A4C445F-7EB9-4C51-A264-E6181DECEAAE}" type="slidenum">
+            <a:fld id="{2FAA4E35-7775-4308-ABBF-79DEA3A6EE1C}" type="slidenum">
               <a:rPr lang="zh-CN" altLang="en-US" smtClean="0"/>
               <a:t>‹#›</a:t>
             </a:fld>
@@ -921,7 +921,7 @@
     </p:spTree>
     <p:extLst>
       <p:ext uri="{BB962C8B-B14F-4D97-AF65-F5344CB8AC3E}">
-        <p14:creationId xmlns:p14="http://schemas.microsoft.com/office/powerpoint/2010/main" val="3905347432"/>
+        <p14:creationId xmlns:p14="http://schemas.microsoft.com/office/powerpoint/2010/main" val="63575142"/>
       </p:ext>
     </p:extLst>
   </p:cSld>
@@ -953,7 +953,7 @@
           <p:cNvPr id="2" name="标题 1">
             <a:extLst>
               <a:ext uri="{FF2B5EF4-FFF2-40B4-BE49-F238E27FC236}">
-                <a16:creationId xmlns:a16="http://schemas.microsoft.com/office/drawing/2014/main" id="{739AA8AA-47F0-82CA-3F11-78CCFCF6399D}"/>
+                <a16:creationId xmlns:a16="http://schemas.microsoft.com/office/drawing/2014/main" id="{5CF36F12-9491-B717-0CC5-61181CF4AB56}"/>
               </a:ext>
             </a:extLst>
           </p:cNvPr>
@@ -990,7 +990,7 @@
           <p:cNvPr id="3" name="文本占位符 2">
             <a:extLst>
               <a:ext uri="{FF2B5EF4-FFF2-40B4-BE49-F238E27FC236}">
-                <a16:creationId xmlns:a16="http://schemas.microsoft.com/office/drawing/2014/main" id="{526242EC-AE56-C056-0913-06BEE97EEFA3}"/>
+                <a16:creationId xmlns:a16="http://schemas.microsoft.com/office/drawing/2014/main" id="{A1A8E6E9-91D0-FF7E-1E39-21A4E890BAF9}"/>
               </a:ext>
             </a:extLst>
           </p:cNvPr>
@@ -1115,7 +1115,7 @@
           <p:cNvPr id="4" name="日期占位符 3">
             <a:extLst>
               <a:ext uri="{FF2B5EF4-FFF2-40B4-BE49-F238E27FC236}">
-                <a16:creationId xmlns:a16="http://schemas.microsoft.com/office/drawing/2014/main" id="{9AB45C1C-D8A8-C882-9987-8EF8EA41E71B}"/>
+                <a16:creationId xmlns:a16="http://schemas.microsoft.com/office/drawing/2014/main" id="{C4A7778B-9A84-EB1C-9043-1D92AAD0DF18}"/>
               </a:ext>
             </a:extLst>
           </p:cNvPr>
@@ -1131,7 +1131,7 @@
           <a:bodyPr/>
           <a:lstStyle/>
           <a:p>
-            <a:fld id="{12332C8D-9288-4C81-BB4E-1CD8E578AACA}" type="datetimeFigureOut">
+            <a:fld id="{464A85EE-92F5-4D05-96AD-224B9583C237}" type="datetimeFigureOut">
               <a:rPr lang="zh-CN" altLang="en-US" smtClean="0"/>
               <a:t>2024/3/10</a:t>
             </a:fld>
@@ -1144,7 +1144,7 @@
           <p:cNvPr id="5" name="页脚占位符 4">
             <a:extLst>
               <a:ext uri="{FF2B5EF4-FFF2-40B4-BE49-F238E27FC236}">
-                <a16:creationId xmlns:a16="http://schemas.microsoft.com/office/drawing/2014/main" id="{81D2FB63-E0C9-8383-ECF6-7718F32F8447}"/>
+                <a16:creationId xmlns:a16="http://schemas.microsoft.com/office/drawing/2014/main" id="{17328D82-F920-33E3-835A-BA0200298F9B}"/>
               </a:ext>
             </a:extLst>
           </p:cNvPr>
@@ -1169,7 +1169,7 @@
           <p:cNvPr id="6" name="灯片编号占位符 5">
             <a:extLst>
               <a:ext uri="{FF2B5EF4-FFF2-40B4-BE49-F238E27FC236}">
-                <a16:creationId xmlns:a16="http://schemas.microsoft.com/office/drawing/2014/main" id="{ACEA8684-BDEE-9845-578E-E0960FA4DEEF}"/>
+                <a16:creationId xmlns:a16="http://schemas.microsoft.com/office/drawing/2014/main" id="{0D800A95-27B1-89F4-F3BB-BE3EB73AC63D}"/>
               </a:ext>
             </a:extLst>
           </p:cNvPr>
@@ -1185,7 +1185,7 @@
           <a:bodyPr/>
           <a:lstStyle/>
           <a:p>
-            <a:fld id="{5A4C445F-7EB9-4C51-A264-E6181DECEAAE}" type="slidenum">
+            <a:fld id="{2FAA4E35-7775-4308-ABBF-79DEA3A6EE1C}" type="slidenum">
               <a:rPr lang="zh-CN" altLang="en-US" smtClean="0"/>
               <a:t>‹#›</a:t>
             </a:fld>
@@ -1196,7 +1196,7 @@
     </p:spTree>
     <p:extLst>
       <p:ext uri="{BB962C8B-B14F-4D97-AF65-F5344CB8AC3E}">
-        <p14:creationId xmlns:p14="http://schemas.microsoft.com/office/powerpoint/2010/main" val="1180299566"/>
+        <p14:creationId xmlns:p14="http://schemas.microsoft.com/office/powerpoint/2010/main" val="187490670"/>
       </p:ext>
     </p:extLst>
   </p:cSld>
@@ -1228,7 +1228,7 @@
           <p:cNvPr id="2" name="标题 1">
             <a:extLst>
               <a:ext uri="{FF2B5EF4-FFF2-40B4-BE49-F238E27FC236}">
-                <a16:creationId xmlns:a16="http://schemas.microsoft.com/office/drawing/2014/main" id="{BAF11AE7-BCFD-A964-62A1-C61C4DE46322}"/>
+                <a16:creationId xmlns:a16="http://schemas.microsoft.com/office/drawing/2014/main" id="{E0B9DE0D-F5F3-34D7-1A6B-D6573A4C57FE}"/>
               </a:ext>
             </a:extLst>
           </p:cNvPr>
@@ -1256,7 +1256,7 @@
           <p:cNvPr id="3" name="内容占位符 2">
             <a:extLst>
               <a:ext uri="{FF2B5EF4-FFF2-40B4-BE49-F238E27FC236}">
-                <a16:creationId xmlns:a16="http://schemas.microsoft.com/office/drawing/2014/main" id="{642641F1-8241-EDFB-8041-5431B365F948}"/>
+                <a16:creationId xmlns:a16="http://schemas.microsoft.com/office/drawing/2014/main" id="{27F6C9EA-A990-5DD4-B433-117836F5B75A}"/>
               </a:ext>
             </a:extLst>
           </p:cNvPr>
@@ -1318,7 +1318,7 @@
           <p:cNvPr id="4" name="内容占位符 3">
             <a:extLst>
               <a:ext uri="{FF2B5EF4-FFF2-40B4-BE49-F238E27FC236}">
-                <a16:creationId xmlns:a16="http://schemas.microsoft.com/office/drawing/2014/main" id="{449A04A2-F93A-B41E-407E-A4E049E88D41}"/>
+                <a16:creationId xmlns:a16="http://schemas.microsoft.com/office/drawing/2014/main" id="{EB610BB4-CCB5-0206-FA2E-8ECCE91A0AE9}"/>
               </a:ext>
             </a:extLst>
           </p:cNvPr>
@@ -1380,7 +1380,7 @@
           <p:cNvPr id="5" name="日期占位符 4">
             <a:extLst>
               <a:ext uri="{FF2B5EF4-FFF2-40B4-BE49-F238E27FC236}">
-                <a16:creationId xmlns:a16="http://schemas.microsoft.com/office/drawing/2014/main" id="{503C8939-F995-3972-A85F-209C845CC2D4}"/>
+                <a16:creationId xmlns:a16="http://schemas.microsoft.com/office/drawing/2014/main" id="{FB3F8C11-4C74-2A1F-0020-862A7B053D86}"/>
               </a:ext>
             </a:extLst>
           </p:cNvPr>
@@ -1396,7 +1396,7 @@
           <a:bodyPr/>
           <a:lstStyle/>
           <a:p>
-            <a:fld id="{12332C8D-9288-4C81-BB4E-1CD8E578AACA}" type="datetimeFigureOut">
+            <a:fld id="{464A85EE-92F5-4D05-96AD-224B9583C237}" type="datetimeFigureOut">
               <a:rPr lang="zh-CN" altLang="en-US" smtClean="0"/>
               <a:t>2024/3/10</a:t>
             </a:fld>
@@ -1409,7 +1409,7 @@
           <p:cNvPr id="6" name="页脚占位符 5">
             <a:extLst>
               <a:ext uri="{FF2B5EF4-FFF2-40B4-BE49-F238E27FC236}">
-                <a16:creationId xmlns:a16="http://schemas.microsoft.com/office/drawing/2014/main" id="{6B686189-03F1-1BB9-B486-0BD2785A5D96}"/>
+                <a16:creationId xmlns:a16="http://schemas.microsoft.com/office/drawing/2014/main" id="{969DA101-9365-E597-A29B-0CDAF8410D6F}"/>
               </a:ext>
             </a:extLst>
           </p:cNvPr>
@@ -1434,7 +1434,7 @@
           <p:cNvPr id="7" name="灯片编号占位符 6">
             <a:extLst>
               <a:ext uri="{FF2B5EF4-FFF2-40B4-BE49-F238E27FC236}">
-                <a16:creationId xmlns:a16="http://schemas.microsoft.com/office/drawing/2014/main" id="{45E2E0D4-245F-D3CA-5DDB-99AADCD537A1}"/>
+                <a16:creationId xmlns:a16="http://schemas.microsoft.com/office/drawing/2014/main" id="{0949B578-40CA-3686-71EB-3F30369BC433}"/>
               </a:ext>
             </a:extLst>
           </p:cNvPr>
@@ -1450,7 +1450,7 @@
           <a:bodyPr/>
           <a:lstStyle/>
           <a:p>
-            <a:fld id="{5A4C445F-7EB9-4C51-A264-E6181DECEAAE}" type="slidenum">
+            <a:fld id="{2FAA4E35-7775-4308-ABBF-79DEA3A6EE1C}" type="slidenum">
               <a:rPr lang="zh-CN" altLang="en-US" smtClean="0"/>
               <a:t>‹#›</a:t>
             </a:fld>
@@ -1461,7 +1461,7 @@
     </p:spTree>
     <p:extLst>
       <p:ext uri="{BB962C8B-B14F-4D97-AF65-F5344CB8AC3E}">
-        <p14:creationId xmlns:p14="http://schemas.microsoft.com/office/powerpoint/2010/main" val="556237862"/>
+        <p14:creationId xmlns:p14="http://schemas.microsoft.com/office/powerpoint/2010/main" val="3456265893"/>
       </p:ext>
     </p:extLst>
   </p:cSld>
@@ -1493,7 +1493,7 @@
           <p:cNvPr id="2" name="标题 1">
             <a:extLst>
               <a:ext uri="{FF2B5EF4-FFF2-40B4-BE49-F238E27FC236}">
-                <a16:creationId xmlns:a16="http://schemas.microsoft.com/office/drawing/2014/main" id="{F4B455D4-5CD5-FD2A-28A9-3E672961E5A8}"/>
+                <a16:creationId xmlns:a16="http://schemas.microsoft.com/office/drawing/2014/main" id="{3D221601-771F-D344-31B7-FDD7D66639DA}"/>
               </a:ext>
             </a:extLst>
           </p:cNvPr>
@@ -1526,7 +1526,7 @@
           <p:cNvPr id="3" name="文本占位符 2">
             <a:extLst>
               <a:ext uri="{FF2B5EF4-FFF2-40B4-BE49-F238E27FC236}">
-                <a16:creationId xmlns:a16="http://schemas.microsoft.com/office/drawing/2014/main" id="{8E3A9FED-070B-1547-C5BF-4F325EE5C9D0}"/>
+                <a16:creationId xmlns:a16="http://schemas.microsoft.com/office/drawing/2014/main" id="{D75F9F50-0169-97B2-6EC1-53B7DD8BE597}"/>
               </a:ext>
             </a:extLst>
           </p:cNvPr>
@@ -1597,7 +1597,7 @@
           <p:cNvPr id="4" name="内容占位符 3">
             <a:extLst>
               <a:ext uri="{FF2B5EF4-FFF2-40B4-BE49-F238E27FC236}">
-                <a16:creationId xmlns:a16="http://schemas.microsoft.com/office/drawing/2014/main" id="{99838EEA-81BB-11D0-B1AD-486D19F7BF36}"/>
+                <a16:creationId xmlns:a16="http://schemas.microsoft.com/office/drawing/2014/main" id="{E7504A46-161A-95E6-6D6D-409BEFFC786D}"/>
               </a:ext>
             </a:extLst>
           </p:cNvPr>
@@ -1659,7 +1659,7 @@
           <p:cNvPr id="5" name="文本占位符 4">
             <a:extLst>
               <a:ext uri="{FF2B5EF4-FFF2-40B4-BE49-F238E27FC236}">
-                <a16:creationId xmlns:a16="http://schemas.microsoft.com/office/drawing/2014/main" id="{BEEB17DE-31E0-783B-6958-6EFEC1ECC480}"/>
+                <a16:creationId xmlns:a16="http://schemas.microsoft.com/office/drawing/2014/main" id="{FE20B709-898F-D8D5-511C-F5E8E25F22FB}"/>
               </a:ext>
             </a:extLst>
           </p:cNvPr>
@@ -1730,7 +1730,7 @@
           <p:cNvPr id="6" name="内容占位符 5">
             <a:extLst>
               <a:ext uri="{FF2B5EF4-FFF2-40B4-BE49-F238E27FC236}">
-                <a16:creationId xmlns:a16="http://schemas.microsoft.com/office/drawing/2014/main" id="{3E02414F-69C4-83D6-3D52-96A8C74DB277}"/>
+                <a16:creationId xmlns:a16="http://schemas.microsoft.com/office/drawing/2014/main" id="{84A01B1C-7A39-7D61-4D65-7EB64F3AE4B2}"/>
               </a:ext>
             </a:extLst>
           </p:cNvPr>
@@ -1792,7 +1792,7 @@
           <p:cNvPr id="7" name="日期占位符 6">
             <a:extLst>
               <a:ext uri="{FF2B5EF4-FFF2-40B4-BE49-F238E27FC236}">
-                <a16:creationId xmlns:a16="http://schemas.microsoft.com/office/drawing/2014/main" id="{86FC05A6-F67A-7A8E-F72B-191141E70E0B}"/>
+                <a16:creationId xmlns:a16="http://schemas.microsoft.com/office/drawing/2014/main" id="{66AA8AD5-33D6-671D-3967-CFF3BF744F95}"/>
               </a:ext>
             </a:extLst>
           </p:cNvPr>
@@ -1808,7 +1808,7 @@
           <a:bodyPr/>
           <a:lstStyle/>
           <a:p>
-            <a:fld id="{12332C8D-9288-4C81-BB4E-1CD8E578AACA}" type="datetimeFigureOut">
+            <a:fld id="{464A85EE-92F5-4D05-96AD-224B9583C237}" type="datetimeFigureOut">
               <a:rPr lang="zh-CN" altLang="en-US" smtClean="0"/>
               <a:t>2024/3/10</a:t>
             </a:fld>
@@ -1821,7 +1821,7 @@
           <p:cNvPr id="8" name="页脚占位符 7">
             <a:extLst>
               <a:ext uri="{FF2B5EF4-FFF2-40B4-BE49-F238E27FC236}">
-                <a16:creationId xmlns:a16="http://schemas.microsoft.com/office/drawing/2014/main" id="{8A3139B1-EA2F-79FB-EF2B-E8A6603454F8}"/>
+                <a16:creationId xmlns:a16="http://schemas.microsoft.com/office/drawing/2014/main" id="{9974E18F-427E-872A-4A12-247915F5AEE7}"/>
               </a:ext>
             </a:extLst>
           </p:cNvPr>
@@ -1846,7 +1846,7 @@
           <p:cNvPr id="9" name="灯片编号占位符 8">
             <a:extLst>
               <a:ext uri="{FF2B5EF4-FFF2-40B4-BE49-F238E27FC236}">
-                <a16:creationId xmlns:a16="http://schemas.microsoft.com/office/drawing/2014/main" id="{7C6F8B8E-3EFB-C806-BB1A-5F9227B8C5E5}"/>
+                <a16:creationId xmlns:a16="http://schemas.microsoft.com/office/drawing/2014/main" id="{902A39BB-B468-FD2E-7B7B-B262889402FB}"/>
               </a:ext>
             </a:extLst>
           </p:cNvPr>
@@ -1862,7 +1862,7 @@
           <a:bodyPr/>
           <a:lstStyle/>
           <a:p>
-            <a:fld id="{5A4C445F-7EB9-4C51-A264-E6181DECEAAE}" type="slidenum">
+            <a:fld id="{2FAA4E35-7775-4308-ABBF-79DEA3A6EE1C}" type="slidenum">
               <a:rPr lang="zh-CN" altLang="en-US" smtClean="0"/>
               <a:t>‹#›</a:t>
             </a:fld>
@@ -1873,7 +1873,7 @@
     </p:spTree>
     <p:extLst>
       <p:ext uri="{BB962C8B-B14F-4D97-AF65-F5344CB8AC3E}">
-        <p14:creationId xmlns:p14="http://schemas.microsoft.com/office/powerpoint/2010/main" val="1595077233"/>
+        <p14:creationId xmlns:p14="http://schemas.microsoft.com/office/powerpoint/2010/main" val="1407561259"/>
       </p:ext>
     </p:extLst>
   </p:cSld>
@@ -1905,7 +1905,7 @@
           <p:cNvPr id="2" name="标题 1">
             <a:extLst>
               <a:ext uri="{FF2B5EF4-FFF2-40B4-BE49-F238E27FC236}">
-                <a16:creationId xmlns:a16="http://schemas.microsoft.com/office/drawing/2014/main" id="{73E6FFB1-104F-2DEC-7EC3-D848AB29CE29}"/>
+                <a16:creationId xmlns:a16="http://schemas.microsoft.com/office/drawing/2014/main" id="{D9883303-7620-767B-5D69-0305B6F56723}"/>
               </a:ext>
             </a:extLst>
           </p:cNvPr>
@@ -1933,7 +1933,7 @@
           <p:cNvPr id="3" name="日期占位符 2">
             <a:extLst>
               <a:ext uri="{FF2B5EF4-FFF2-40B4-BE49-F238E27FC236}">
-                <a16:creationId xmlns:a16="http://schemas.microsoft.com/office/drawing/2014/main" id="{E0F0B37B-0BD3-430C-8F79-4098414F287D}"/>
+                <a16:creationId xmlns:a16="http://schemas.microsoft.com/office/drawing/2014/main" id="{59BBE223-C0E8-5A49-C26A-48031B461ACA}"/>
               </a:ext>
             </a:extLst>
           </p:cNvPr>
@@ -1949,7 +1949,7 @@
           <a:bodyPr/>
           <a:lstStyle/>
           <a:p>
-            <a:fld id="{12332C8D-9288-4C81-BB4E-1CD8E578AACA}" type="datetimeFigureOut">
+            <a:fld id="{464A85EE-92F5-4D05-96AD-224B9583C237}" type="datetimeFigureOut">
               <a:rPr lang="zh-CN" altLang="en-US" smtClean="0"/>
               <a:t>2024/3/10</a:t>
             </a:fld>
@@ -1962,7 +1962,7 @@
           <p:cNvPr id="4" name="页脚占位符 3">
             <a:extLst>
               <a:ext uri="{FF2B5EF4-FFF2-40B4-BE49-F238E27FC236}">
-                <a16:creationId xmlns:a16="http://schemas.microsoft.com/office/drawing/2014/main" id="{C1F4F43F-AE1E-05E8-219C-86186AFEAA7A}"/>
+                <a16:creationId xmlns:a16="http://schemas.microsoft.com/office/drawing/2014/main" id="{DFE2F501-83C7-3896-7946-4B290C355BA8}"/>
               </a:ext>
             </a:extLst>
           </p:cNvPr>
@@ -1987,7 +1987,7 @@
           <p:cNvPr id="5" name="灯片编号占位符 4">
             <a:extLst>
               <a:ext uri="{FF2B5EF4-FFF2-40B4-BE49-F238E27FC236}">
-                <a16:creationId xmlns:a16="http://schemas.microsoft.com/office/drawing/2014/main" id="{A035A1CE-C523-BD85-B2F7-C15861F50FCE}"/>
+                <a16:creationId xmlns:a16="http://schemas.microsoft.com/office/drawing/2014/main" id="{7DBCE651-1CB5-E78E-4A49-1A95A3874E1F}"/>
               </a:ext>
             </a:extLst>
           </p:cNvPr>
@@ -2003,7 +2003,7 @@
           <a:bodyPr/>
           <a:lstStyle/>
           <a:p>
-            <a:fld id="{5A4C445F-7EB9-4C51-A264-E6181DECEAAE}" type="slidenum">
+            <a:fld id="{2FAA4E35-7775-4308-ABBF-79DEA3A6EE1C}" type="slidenum">
               <a:rPr lang="zh-CN" altLang="en-US" smtClean="0"/>
               <a:t>‹#›</a:t>
             </a:fld>
@@ -2014,7 +2014,7 @@
     </p:spTree>
     <p:extLst>
       <p:ext uri="{BB962C8B-B14F-4D97-AF65-F5344CB8AC3E}">
-        <p14:creationId xmlns:p14="http://schemas.microsoft.com/office/powerpoint/2010/main" val="4151534184"/>
+        <p14:creationId xmlns:p14="http://schemas.microsoft.com/office/powerpoint/2010/main" val="3558193410"/>
       </p:ext>
     </p:extLst>
   </p:cSld>
@@ -2046,7 +2046,7 @@
           <p:cNvPr id="2" name="日期占位符 1">
             <a:extLst>
               <a:ext uri="{FF2B5EF4-FFF2-40B4-BE49-F238E27FC236}">
-                <a16:creationId xmlns:a16="http://schemas.microsoft.com/office/drawing/2014/main" id="{ECBFCAC5-7D38-1A42-5F67-EFF01470D424}"/>
+                <a16:creationId xmlns:a16="http://schemas.microsoft.com/office/drawing/2014/main" id="{FFBE9E95-ECB7-5CA6-64F0-C141A8994E33}"/>
               </a:ext>
             </a:extLst>
           </p:cNvPr>
@@ -2062,7 +2062,7 @@
           <a:bodyPr/>
           <a:lstStyle/>
           <a:p>
-            <a:fld id="{12332C8D-9288-4C81-BB4E-1CD8E578AACA}" type="datetimeFigureOut">
+            <a:fld id="{464A85EE-92F5-4D05-96AD-224B9583C237}" type="datetimeFigureOut">
               <a:rPr lang="zh-CN" altLang="en-US" smtClean="0"/>
               <a:t>2024/3/10</a:t>
             </a:fld>
@@ -2075,7 +2075,7 @@
           <p:cNvPr id="3" name="页脚占位符 2">
             <a:extLst>
               <a:ext uri="{FF2B5EF4-FFF2-40B4-BE49-F238E27FC236}">
-                <a16:creationId xmlns:a16="http://schemas.microsoft.com/office/drawing/2014/main" id="{FFF5BBB8-1B86-12FF-29E1-CD466437B721}"/>
+                <a16:creationId xmlns:a16="http://schemas.microsoft.com/office/drawing/2014/main" id="{489D0305-4E53-F229-B87D-F188C683965A}"/>
               </a:ext>
             </a:extLst>
           </p:cNvPr>
@@ -2100,7 +2100,7 @@
           <p:cNvPr id="4" name="灯片编号占位符 3">
             <a:extLst>
               <a:ext uri="{FF2B5EF4-FFF2-40B4-BE49-F238E27FC236}">
-                <a16:creationId xmlns:a16="http://schemas.microsoft.com/office/drawing/2014/main" id="{49EA47B0-96ED-D378-EC09-60C591FEE4D6}"/>
+                <a16:creationId xmlns:a16="http://schemas.microsoft.com/office/drawing/2014/main" id="{B2D363CF-0E56-9E5B-7F0B-1F6FA39AC6DC}"/>
               </a:ext>
             </a:extLst>
           </p:cNvPr>
@@ -2116,7 +2116,7 @@
           <a:bodyPr/>
           <a:lstStyle/>
           <a:p>
-            <a:fld id="{5A4C445F-7EB9-4C51-A264-E6181DECEAAE}" type="slidenum">
+            <a:fld id="{2FAA4E35-7775-4308-ABBF-79DEA3A6EE1C}" type="slidenum">
               <a:rPr lang="zh-CN" altLang="en-US" smtClean="0"/>
               <a:t>‹#›</a:t>
             </a:fld>
@@ -2127,7 +2127,7 @@
     </p:spTree>
     <p:extLst>
       <p:ext uri="{BB962C8B-B14F-4D97-AF65-F5344CB8AC3E}">
-        <p14:creationId xmlns:p14="http://schemas.microsoft.com/office/powerpoint/2010/main" val="1021933688"/>
+        <p14:creationId xmlns:p14="http://schemas.microsoft.com/office/powerpoint/2010/main" val="3980158925"/>
       </p:ext>
     </p:extLst>
   </p:cSld>
@@ -2159,7 +2159,7 @@
           <p:cNvPr id="2" name="标题 1">
             <a:extLst>
               <a:ext uri="{FF2B5EF4-FFF2-40B4-BE49-F238E27FC236}">
-                <a16:creationId xmlns:a16="http://schemas.microsoft.com/office/drawing/2014/main" id="{FE8B589B-4273-1AFA-7938-C759845079F2}"/>
+                <a16:creationId xmlns:a16="http://schemas.microsoft.com/office/drawing/2014/main" id="{1B3631EE-60CD-3940-BF46-7E9201D1F50E}"/>
               </a:ext>
             </a:extLst>
           </p:cNvPr>
@@ -2196,7 +2196,7 @@
           <p:cNvPr id="3" name="内容占位符 2">
             <a:extLst>
               <a:ext uri="{FF2B5EF4-FFF2-40B4-BE49-F238E27FC236}">
-                <a16:creationId xmlns:a16="http://schemas.microsoft.com/office/drawing/2014/main" id="{DF63CA05-0B66-95F8-E282-6C82C1DD47BF}"/>
+                <a16:creationId xmlns:a16="http://schemas.microsoft.com/office/drawing/2014/main" id="{FEEF1FEB-529D-9654-896B-93F917AB29CF}"/>
               </a:ext>
             </a:extLst>
           </p:cNvPr>
@@ -2286,7 +2286,7 @@
           <p:cNvPr id="4" name="文本占位符 3">
             <a:extLst>
               <a:ext uri="{FF2B5EF4-FFF2-40B4-BE49-F238E27FC236}">
-                <a16:creationId xmlns:a16="http://schemas.microsoft.com/office/drawing/2014/main" id="{8ACDD625-5400-726D-9E50-5735E398AA4F}"/>
+                <a16:creationId xmlns:a16="http://schemas.microsoft.com/office/drawing/2014/main" id="{EF4DBBB3-8779-9C4A-02FC-C770D82F8861}"/>
               </a:ext>
             </a:extLst>
           </p:cNvPr>
@@ -2357,7 +2357,7 @@
           <p:cNvPr id="5" name="日期占位符 4">
             <a:extLst>
               <a:ext uri="{FF2B5EF4-FFF2-40B4-BE49-F238E27FC236}">
-                <a16:creationId xmlns:a16="http://schemas.microsoft.com/office/drawing/2014/main" id="{C49D2D24-1A30-3776-31E1-3752856B5078}"/>
+                <a16:creationId xmlns:a16="http://schemas.microsoft.com/office/drawing/2014/main" id="{3601652F-AA00-1B9F-FBF8-0CD3571FDBBE}"/>
               </a:ext>
             </a:extLst>
           </p:cNvPr>
@@ -2373,7 +2373,7 @@
           <a:bodyPr/>
           <a:lstStyle/>
           <a:p>
-            <a:fld id="{12332C8D-9288-4C81-BB4E-1CD8E578AACA}" type="datetimeFigureOut">
+            <a:fld id="{464A85EE-92F5-4D05-96AD-224B9583C237}" type="datetimeFigureOut">
               <a:rPr lang="zh-CN" altLang="en-US" smtClean="0"/>
               <a:t>2024/3/10</a:t>
             </a:fld>
@@ -2386,7 +2386,7 @@
           <p:cNvPr id="6" name="页脚占位符 5">
             <a:extLst>
               <a:ext uri="{FF2B5EF4-FFF2-40B4-BE49-F238E27FC236}">
-                <a16:creationId xmlns:a16="http://schemas.microsoft.com/office/drawing/2014/main" id="{3040074C-7A33-0448-C955-3F1FC86A645C}"/>
+                <a16:creationId xmlns:a16="http://schemas.microsoft.com/office/drawing/2014/main" id="{F1F2840E-4FE1-D2C7-0C48-121CA5A2076D}"/>
               </a:ext>
             </a:extLst>
           </p:cNvPr>
@@ -2411,7 +2411,7 @@
           <p:cNvPr id="7" name="灯片编号占位符 6">
             <a:extLst>
               <a:ext uri="{FF2B5EF4-FFF2-40B4-BE49-F238E27FC236}">
-                <a16:creationId xmlns:a16="http://schemas.microsoft.com/office/drawing/2014/main" id="{75127090-294E-C3B2-779C-B3EC6F040ACA}"/>
+                <a16:creationId xmlns:a16="http://schemas.microsoft.com/office/drawing/2014/main" id="{112CABAC-5114-0160-9B8E-0B0F96371831}"/>
               </a:ext>
             </a:extLst>
           </p:cNvPr>
@@ -2427,7 +2427,7 @@
           <a:bodyPr/>
           <a:lstStyle/>
           <a:p>
-            <a:fld id="{5A4C445F-7EB9-4C51-A264-E6181DECEAAE}" type="slidenum">
+            <a:fld id="{2FAA4E35-7775-4308-ABBF-79DEA3A6EE1C}" type="slidenum">
               <a:rPr lang="zh-CN" altLang="en-US" smtClean="0"/>
               <a:t>‹#›</a:t>
             </a:fld>
@@ -2438,7 +2438,7 @@
     </p:spTree>
     <p:extLst>
       <p:ext uri="{BB962C8B-B14F-4D97-AF65-F5344CB8AC3E}">
-        <p14:creationId xmlns:p14="http://schemas.microsoft.com/office/powerpoint/2010/main" val="4293307689"/>
+        <p14:creationId xmlns:p14="http://schemas.microsoft.com/office/powerpoint/2010/main" val="3933796585"/>
       </p:ext>
     </p:extLst>
   </p:cSld>
@@ -2470,7 +2470,7 @@
           <p:cNvPr id="2" name="标题 1">
             <a:extLst>
               <a:ext uri="{FF2B5EF4-FFF2-40B4-BE49-F238E27FC236}">
-                <a16:creationId xmlns:a16="http://schemas.microsoft.com/office/drawing/2014/main" id="{16882AE5-F9FC-DD76-41DE-C71AE6418A7F}"/>
+                <a16:creationId xmlns:a16="http://schemas.microsoft.com/office/drawing/2014/main" id="{9196BE4C-98F4-AE46-D12D-8EAB3146DF72}"/>
               </a:ext>
             </a:extLst>
           </p:cNvPr>
@@ -2507,7 +2507,7 @@
           <p:cNvPr id="3" name="图片占位符 2">
             <a:extLst>
               <a:ext uri="{FF2B5EF4-FFF2-40B4-BE49-F238E27FC236}">
-                <a16:creationId xmlns:a16="http://schemas.microsoft.com/office/drawing/2014/main" id="{4968E009-C96C-DCFE-BE40-4EE00B1EB4F4}"/>
+                <a16:creationId xmlns:a16="http://schemas.microsoft.com/office/drawing/2014/main" id="{4F1D473C-3A35-F387-DFFC-1391D9DEB3AB}"/>
               </a:ext>
             </a:extLst>
           </p:cNvPr>
@@ -2574,7 +2574,7 @@
           <p:cNvPr id="4" name="文本占位符 3">
             <a:extLst>
               <a:ext uri="{FF2B5EF4-FFF2-40B4-BE49-F238E27FC236}">
-                <a16:creationId xmlns:a16="http://schemas.microsoft.com/office/drawing/2014/main" id="{EF571B36-2615-EA02-AA46-4D3950419404}"/>
+                <a16:creationId xmlns:a16="http://schemas.microsoft.com/office/drawing/2014/main" id="{A9E465E3-0F7D-FE69-B173-0F015AAD7A16}"/>
               </a:ext>
             </a:extLst>
           </p:cNvPr>
@@ -2645,7 +2645,7 @@
           <p:cNvPr id="5" name="日期占位符 4">
             <a:extLst>
               <a:ext uri="{FF2B5EF4-FFF2-40B4-BE49-F238E27FC236}">
-                <a16:creationId xmlns:a16="http://schemas.microsoft.com/office/drawing/2014/main" id="{11B3AE09-FE4C-2497-0B42-C90ABF15214A}"/>
+                <a16:creationId xmlns:a16="http://schemas.microsoft.com/office/drawing/2014/main" id="{340F696B-574B-08E1-65D4-4D5C86EA1CCF}"/>
               </a:ext>
             </a:extLst>
           </p:cNvPr>
@@ -2661,7 +2661,7 @@
           <a:bodyPr/>
           <a:lstStyle/>
           <a:p>
-            <a:fld id="{12332C8D-9288-4C81-BB4E-1CD8E578AACA}" type="datetimeFigureOut">
+            <a:fld id="{464A85EE-92F5-4D05-96AD-224B9583C237}" type="datetimeFigureOut">
               <a:rPr lang="zh-CN" altLang="en-US" smtClean="0"/>
               <a:t>2024/3/10</a:t>
             </a:fld>
@@ -2674,7 +2674,7 @@
           <p:cNvPr id="6" name="页脚占位符 5">
             <a:extLst>
               <a:ext uri="{FF2B5EF4-FFF2-40B4-BE49-F238E27FC236}">
-                <a16:creationId xmlns:a16="http://schemas.microsoft.com/office/drawing/2014/main" id="{0FA4A50A-078B-AA56-2E12-13CAD6D9588D}"/>
+                <a16:creationId xmlns:a16="http://schemas.microsoft.com/office/drawing/2014/main" id="{40AC080F-BC1C-2A69-6251-D5E7870F56B3}"/>
               </a:ext>
             </a:extLst>
           </p:cNvPr>
@@ -2699,7 +2699,7 @@
           <p:cNvPr id="7" name="灯片编号占位符 6">
             <a:extLst>
               <a:ext uri="{FF2B5EF4-FFF2-40B4-BE49-F238E27FC236}">
-                <a16:creationId xmlns:a16="http://schemas.microsoft.com/office/drawing/2014/main" id="{D8722F59-F710-3033-5238-423A5A620B04}"/>
+                <a16:creationId xmlns:a16="http://schemas.microsoft.com/office/drawing/2014/main" id="{C1694266-D7D4-9F4F-08E3-8BAD040A7884}"/>
               </a:ext>
             </a:extLst>
           </p:cNvPr>
@@ -2715,7 +2715,7 @@
           <a:bodyPr/>
           <a:lstStyle/>
           <a:p>
-            <a:fld id="{5A4C445F-7EB9-4C51-A264-E6181DECEAAE}" type="slidenum">
+            <a:fld id="{2FAA4E35-7775-4308-ABBF-79DEA3A6EE1C}" type="slidenum">
               <a:rPr lang="zh-CN" altLang="en-US" smtClean="0"/>
               <a:t>‹#›</a:t>
             </a:fld>
@@ -2726,7 +2726,7 @@
     </p:spTree>
     <p:extLst>
       <p:ext uri="{BB962C8B-B14F-4D97-AF65-F5344CB8AC3E}">
-        <p14:creationId xmlns:p14="http://schemas.microsoft.com/office/powerpoint/2010/main" val="2063113458"/>
+        <p14:creationId xmlns:p14="http://schemas.microsoft.com/office/powerpoint/2010/main" val="3749001541"/>
       </p:ext>
     </p:extLst>
   </p:cSld>
@@ -2763,7 +2763,7 @@
           <p:cNvPr id="2" name="标题占位符 1">
             <a:extLst>
               <a:ext uri="{FF2B5EF4-FFF2-40B4-BE49-F238E27FC236}">
-                <a16:creationId xmlns:a16="http://schemas.microsoft.com/office/drawing/2014/main" id="{8D389DB7-CA06-1A71-FAC8-193EBA2D295B}"/>
+                <a16:creationId xmlns:a16="http://schemas.microsoft.com/office/drawing/2014/main" id="{FA3CC498-86C8-9971-15BE-203390A0B782}"/>
               </a:ext>
             </a:extLst>
           </p:cNvPr>
@@ -2801,7 +2801,7 @@
           <p:cNvPr id="3" name="文本占位符 2">
             <a:extLst>
               <a:ext uri="{FF2B5EF4-FFF2-40B4-BE49-F238E27FC236}">
-                <a16:creationId xmlns:a16="http://schemas.microsoft.com/office/drawing/2014/main" id="{57593500-88D6-20EA-D304-1AF891DE7454}"/>
+                <a16:creationId xmlns:a16="http://schemas.microsoft.com/office/drawing/2014/main" id="{38CFA1BE-73A2-E53D-4BFD-1876BB70DD03}"/>
               </a:ext>
             </a:extLst>
           </p:cNvPr>
@@ -2868,7 +2868,7 @@
           <p:cNvPr id="4" name="日期占位符 3">
             <a:extLst>
               <a:ext uri="{FF2B5EF4-FFF2-40B4-BE49-F238E27FC236}">
-                <a16:creationId xmlns:a16="http://schemas.microsoft.com/office/drawing/2014/main" id="{48B37651-1F5B-A914-749D-00AD4472954E}"/>
+                <a16:creationId xmlns:a16="http://schemas.microsoft.com/office/drawing/2014/main" id="{5EFD6B5D-E90B-A62B-1966-4A1332C230B3}"/>
               </a:ext>
             </a:extLst>
           </p:cNvPr>
@@ -2902,7 +2902,7 @@
             </a:lvl1pPr>
           </a:lstStyle>
           <a:p>
-            <a:fld id="{12332C8D-9288-4C81-BB4E-1CD8E578AACA}" type="datetimeFigureOut">
+            <a:fld id="{464A85EE-92F5-4D05-96AD-224B9583C237}" type="datetimeFigureOut">
               <a:rPr lang="zh-CN" altLang="en-US" smtClean="0"/>
               <a:t>2024/3/10</a:t>
             </a:fld>
@@ -2915,7 +2915,7 @@
           <p:cNvPr id="5" name="页脚占位符 4">
             <a:extLst>
               <a:ext uri="{FF2B5EF4-FFF2-40B4-BE49-F238E27FC236}">
-                <a16:creationId xmlns:a16="http://schemas.microsoft.com/office/drawing/2014/main" id="{041CB65D-B2DE-2A0B-1E67-5643CEDEFF82}"/>
+                <a16:creationId xmlns:a16="http://schemas.microsoft.com/office/drawing/2014/main" id="{CFB3F468-0EB2-BA42-176C-54E18D977E3C}"/>
               </a:ext>
             </a:extLst>
           </p:cNvPr>
@@ -2958,7 +2958,7 @@
           <p:cNvPr id="6" name="灯片编号占位符 5">
             <a:extLst>
               <a:ext uri="{FF2B5EF4-FFF2-40B4-BE49-F238E27FC236}">
-                <a16:creationId xmlns:a16="http://schemas.microsoft.com/office/drawing/2014/main" id="{45F87506-74DE-E0C5-EE22-EE24DC34A528}"/>
+                <a16:creationId xmlns:a16="http://schemas.microsoft.com/office/drawing/2014/main" id="{E666EF46-552E-A63B-3EC8-F34ED7D25C76}"/>
               </a:ext>
             </a:extLst>
           </p:cNvPr>
@@ -2992,7 +2992,7 @@
             </a:lvl1pPr>
           </a:lstStyle>
           <a:p>
-            <a:fld id="{5A4C445F-7EB9-4C51-A264-E6181DECEAAE}" type="slidenum">
+            <a:fld id="{2FAA4E35-7775-4308-ABBF-79DEA3A6EE1C}" type="slidenum">
               <a:rPr lang="zh-CN" altLang="en-US" smtClean="0"/>
               <a:t>‹#›</a:t>
             </a:fld>
@@ -3003,7 +3003,7 @@
     </p:spTree>
     <p:extLst>
       <p:ext uri="{BB962C8B-B14F-4D97-AF65-F5344CB8AC3E}">
-        <p14:creationId xmlns:p14="http://schemas.microsoft.com/office/powerpoint/2010/main" val="3444665271"/>
+        <p14:creationId xmlns:p14="http://schemas.microsoft.com/office/powerpoint/2010/main" val="4271207839"/>
       </p:ext>
     </p:extLst>
   </p:cSld>
